--- a/The Context of The Process.pptx
+++ b/The Context of The Process.pptx
@@ -1413,7 +1413,7 @@
   <p:cSld>
     <p:spTree>
       <p:nvGrpSpPr>
-        <p:cNvPr id="146" name="Shape 146"/>
+        <p:cNvPr id="147" name="Shape 147"/>
         <p:cNvGrpSpPr/>
         <p:nvPr/>
       </p:nvGrpSpPr>
@@ -1427,7 +1427,7 @@
       </p:grpSpPr>
       <p:sp>
         <p:nvSpPr>
-          <p:cNvPr id="147" name="Google Shape;147;g121f395e011_0_295:notes"/>
+          <p:cNvPr id="148" name="Google Shape;148;g121f395e011_0_295:notes"/>
           <p:cNvSpPr/>
           <p:nvPr>
             <p:ph idx="2" type="sldImg"/>
@@ -1462,7 +1462,7 @@
       </p:sp>
       <p:sp>
         <p:nvSpPr>
-          <p:cNvPr id="148" name="Google Shape;148;g121f395e011_0_295:notes"/>
+          <p:cNvPr id="149" name="Google Shape;149;g121f395e011_0_295:notes"/>
           <p:cNvSpPr txBox="1"/>
           <p:nvPr>
             <p:ph idx="1" type="body"/>
@@ -9792,7 +9792,7 @@
         <p:spPr>
           <a:xfrm>
             <a:off x="311700" y="555600"/>
-            <a:ext cx="2808000" cy="755700"/>
+            <a:ext cx="4330800" cy="755700"/>
           </a:xfrm>
           <a:prstGeom prst="rect">
             <a:avLst/>
@@ -9815,7 +9815,7 @@
             </a:pPr>
             <a:r>
               <a:rPr lang="en"/>
-              <a:t>Appendix - Region</a:t>
+              <a:t>Appendix - Region and Page Tables </a:t>
             </a:r>
             <a:endParaRPr/>
           </a:p>
@@ -9930,6 +9930,34 @@
           </a:ln>
         </p:spPr>
       </p:pic>
+      <p:pic>
+        <p:nvPicPr>
+          <p:cNvPr id="146" name="Google Shape;146;p27"/>
+          <p:cNvPicPr preferRelativeResize="0"/>
+          <p:nvPr/>
+        </p:nvPicPr>
+        <p:blipFill>
+          <a:blip r:embed="rId4">
+            <a:alphaModFix/>
+          </a:blip>
+          <a:stretch>
+            <a:fillRect/>
+          </a:stretch>
+        </p:blipFill>
+        <p:spPr>
+          <a:xfrm>
+            <a:off x="311707" y="1963750"/>
+            <a:ext cx="4184444" cy="3332150"/>
+          </a:xfrm>
+          <a:prstGeom prst="rect">
+            <a:avLst/>
+          </a:prstGeom>
+          <a:noFill/>
+          <a:ln>
+            <a:noFill/>
+          </a:ln>
+        </p:spPr>
+      </p:pic>
     </p:spTree>
   </p:cSld>
   <p:clrMapOvr>
@@ -9943,7 +9971,7 @@
   <p:cSld>
     <p:spTree>
       <p:nvGrpSpPr>
-        <p:cNvPr id="149" name="Shape 149"/>
+        <p:cNvPr id="150" name="Shape 150"/>
         <p:cNvGrpSpPr/>
         <p:nvPr/>
       </p:nvGrpSpPr>
@@ -9957,7 +9985,7 @@
       </p:grpSpPr>
       <p:sp>
         <p:nvSpPr>
-          <p:cNvPr id="150" name="Google Shape;150;p28"/>
+          <p:cNvPr id="151" name="Google Shape;151;p28"/>
           <p:cNvSpPr txBox="1"/>
           <p:nvPr>
             <p:ph type="title"/>
@@ -9997,7 +10025,7 @@
       </p:sp>
       <p:sp>
         <p:nvSpPr>
-          <p:cNvPr id="151" name="Google Shape;151;p28"/>
+          <p:cNvPr id="152" name="Google Shape;152;p28"/>
           <p:cNvSpPr txBox="1"/>
           <p:nvPr>
             <p:ph idx="2" type="body"/>
@@ -10069,7 +10097,7 @@
       </p:sp>
       <p:sp>
         <p:nvSpPr>
-          <p:cNvPr id="152" name="Google Shape;152;p28"/>
+          <p:cNvPr id="153" name="Google Shape;153;p28"/>
           <p:cNvSpPr txBox="1"/>
           <p:nvPr>
             <p:ph idx="1" type="subTitle"/>
@@ -11522,7 +11550,7 @@
             </a:pPr>
             <a:r>
               <a:rPr lang="en" sz="1400"/>
-              <a:t>The kernel pushes a context layer when an interrupt occurs, when a process makes a system call, or when a process does a context switch. It pops a context layer when it returns from an interrupt handler, returns from a system call, or when a context switch happens. Thus, a context switch entails a push-pop operation: The kernel pushes the context of the old process and pops the context layer of the new process. The process table entry stores the necessary information to recover the current context layer</a:t>
+              <a:t>The kernel pushes a context layer when an interrupt occurs, when a process makes a system call, or when a process does a context switch. It pops a context layer when it returns from an interrupt handler, returns from a system call, or when a context switch happens. Thus, a context switch entails a push-pop operation.. </a:t>
             </a:r>
             <a:endParaRPr sz="1400"/>
           </a:p>
